--- a/4 - 데이터 관리 기초.pptx
+++ b/4 - 데이터 관리 기초.pptx
@@ -15925,7 +15925,7 @@
         <p:spPr>
           <a:xfrm>
             <a:off x="4640313" y="1351508"/>
-            <a:ext cx="2911374" cy="4154984"/>
+            <a:ext cx="3098925" cy="4154984"/>
           </a:xfrm>
           <a:prstGeom prst="rect">
             <a:avLst/>
@@ -15952,7 +15952,7 @@
                 <a:latin typeface="나눔스퀘어OTF Light" panose="020B0600000101010101" pitchFamily="34" charset="-127"/>
                 <a:ea typeface="나눔스퀘어OTF Light" panose="020B0600000101010101" pitchFamily="34" charset="-127"/>
               </a:rPr>
-              <a:t>	name:”user”,</a:t>
+              <a:t>	“name”:”user”,</a:t>
             </a:r>
           </a:p>
           <a:p>
@@ -15961,7 +15961,7 @@
                 <a:latin typeface="나눔스퀘어OTF Light" panose="020B0600000101010101" pitchFamily="34" charset="-127"/>
                 <a:ea typeface="나눔스퀘어OTF Light" panose="020B0600000101010101" pitchFamily="34" charset="-127"/>
               </a:rPr>
-              <a:t>	status:{</a:t>
+              <a:t>	“status”:{</a:t>
             </a:r>
           </a:p>
           <a:p>
@@ -15970,7 +15970,7 @@
                 <a:latin typeface="나눔스퀘어OTF Light" panose="020B0600000101010101" pitchFamily="34" charset="-127"/>
                 <a:ea typeface="나눔스퀘어OTF Light" panose="020B0600000101010101" pitchFamily="34" charset="-127"/>
               </a:rPr>
-              <a:t>		hp:50,</a:t>
+              <a:t>		“hp”:50,</a:t>
             </a:r>
           </a:p>
           <a:p>
@@ -15979,7 +15979,7 @@
                 <a:latin typeface="나눔스퀘어OTF Light" panose="020B0600000101010101" pitchFamily="34" charset="-127"/>
                 <a:ea typeface="나눔스퀘어OTF Light" panose="020B0600000101010101" pitchFamily="34" charset="-127"/>
               </a:rPr>
-              <a:t>		mp:40</a:t>
+              <a:t>		“mp”:40</a:t>
             </a:r>
           </a:p>
           <a:p>
@@ -15997,7 +15997,7 @@
                 <a:latin typeface="나눔스퀘어OTF Light" panose="020B0600000101010101" pitchFamily="34" charset="-127"/>
                 <a:ea typeface="나눔스퀘어OTF Light" panose="020B0600000101010101" pitchFamily="34" charset="-127"/>
               </a:rPr>
-              <a:t>	items:[</a:t>
+              <a:t>	“items”:[</a:t>
             </a:r>
           </a:p>
           <a:p>
